--- a/Images/Dark Mode Buttons/Dark Mode Buttons.pptx
+++ b/Images/Dark Mode Buttons/Dark Mode Buttons.pptx
@@ -10,6 +10,7 @@
     <p:sldId id="257" r:id="rId4"/>
     <p:sldId id="259" r:id="rId5"/>
     <p:sldId id="258" r:id="rId6"/>
+    <p:sldId id="261" r:id="rId7"/>
   </p:sldIdLst>
   <p:sldSz cx="12192000" cy="6858000"/>
   <p:notesSz cx="6858000" cy="9144000"/>
@@ -108,6 +109,11 @@
       </a:defRPr>
     </a:lvl9pPr>
   </p:defaultTextStyle>
+  <p:extLst>
+    <p:ext uri="{EFAFB233-063F-42B5-8137-9DF3F51BA10A}">
+      <p15:sldGuideLst xmlns:p15="http://schemas.microsoft.com/office/powerpoint/2012/main"/>
+    </p:ext>
+  </p:extLst>
 </p:presentation>
 </file>
 
@@ -260,7 +266,7 @@
           <a:p>
             <a:fld id="{24865F46-B8E0-445B-B145-739A901078F7}" type="datetimeFigureOut">
               <a:rPr lang="en-GB" smtClean="0"/>
-              <a:t>28/03/2022</a:t>
+              <a:t>29/03/2022</a:t>
             </a:fld>
             <a:endParaRPr lang="en-GB"/>
           </a:p>
@@ -460,7 +466,7 @@
           <a:p>
             <a:fld id="{24865F46-B8E0-445B-B145-739A901078F7}" type="datetimeFigureOut">
               <a:rPr lang="en-GB" smtClean="0"/>
-              <a:t>28/03/2022</a:t>
+              <a:t>29/03/2022</a:t>
             </a:fld>
             <a:endParaRPr lang="en-GB"/>
           </a:p>
@@ -670,7 +676,7 @@
           <a:p>
             <a:fld id="{24865F46-B8E0-445B-B145-739A901078F7}" type="datetimeFigureOut">
               <a:rPr lang="en-GB" smtClean="0"/>
-              <a:t>28/03/2022</a:t>
+              <a:t>29/03/2022</a:t>
             </a:fld>
             <a:endParaRPr lang="en-GB"/>
           </a:p>
@@ -870,7 +876,7 @@
           <a:p>
             <a:fld id="{24865F46-B8E0-445B-B145-739A901078F7}" type="datetimeFigureOut">
               <a:rPr lang="en-GB" smtClean="0"/>
-              <a:t>28/03/2022</a:t>
+              <a:t>29/03/2022</a:t>
             </a:fld>
             <a:endParaRPr lang="en-GB"/>
           </a:p>
@@ -1146,7 +1152,7 @@
           <a:p>
             <a:fld id="{24865F46-B8E0-445B-B145-739A901078F7}" type="datetimeFigureOut">
               <a:rPr lang="en-GB" smtClean="0"/>
-              <a:t>28/03/2022</a:t>
+              <a:t>29/03/2022</a:t>
             </a:fld>
             <a:endParaRPr lang="en-GB"/>
           </a:p>
@@ -1414,7 +1420,7 @@
           <a:p>
             <a:fld id="{24865F46-B8E0-445B-B145-739A901078F7}" type="datetimeFigureOut">
               <a:rPr lang="en-GB" smtClean="0"/>
-              <a:t>28/03/2022</a:t>
+              <a:t>29/03/2022</a:t>
             </a:fld>
             <a:endParaRPr lang="en-GB"/>
           </a:p>
@@ -1829,7 +1835,7 @@
           <a:p>
             <a:fld id="{24865F46-B8E0-445B-B145-739A901078F7}" type="datetimeFigureOut">
               <a:rPr lang="en-GB" smtClean="0"/>
-              <a:t>28/03/2022</a:t>
+              <a:t>29/03/2022</a:t>
             </a:fld>
             <a:endParaRPr lang="en-GB"/>
           </a:p>
@@ -1971,7 +1977,7 @@
           <a:p>
             <a:fld id="{24865F46-B8E0-445B-B145-739A901078F7}" type="datetimeFigureOut">
               <a:rPr lang="en-GB" smtClean="0"/>
-              <a:t>28/03/2022</a:t>
+              <a:t>29/03/2022</a:t>
             </a:fld>
             <a:endParaRPr lang="en-GB"/>
           </a:p>
@@ -2084,7 +2090,7 @@
           <a:p>
             <a:fld id="{24865F46-B8E0-445B-B145-739A901078F7}" type="datetimeFigureOut">
               <a:rPr lang="en-GB" smtClean="0"/>
-              <a:t>28/03/2022</a:t>
+              <a:t>29/03/2022</a:t>
             </a:fld>
             <a:endParaRPr lang="en-GB"/>
           </a:p>
@@ -2397,7 +2403,7 @@
           <a:p>
             <a:fld id="{24865F46-B8E0-445B-B145-739A901078F7}" type="datetimeFigureOut">
               <a:rPr lang="en-GB" smtClean="0"/>
-              <a:t>28/03/2022</a:t>
+              <a:t>29/03/2022</a:t>
             </a:fld>
             <a:endParaRPr lang="en-GB"/>
           </a:p>
@@ -2686,7 +2692,7 @@
           <a:p>
             <a:fld id="{24865F46-B8E0-445B-B145-739A901078F7}" type="datetimeFigureOut">
               <a:rPr lang="en-GB" smtClean="0"/>
-              <a:t>28/03/2022</a:t>
+              <a:t>29/03/2022</a:t>
             </a:fld>
             <a:endParaRPr lang="en-GB"/>
           </a:p>
@@ -2929,7 +2935,7 @@
           <a:p>
             <a:fld id="{24865F46-B8E0-445B-B145-739A901078F7}" type="datetimeFigureOut">
               <a:rPr lang="en-GB" smtClean="0"/>
-              <a:t>28/03/2022</a:t>
+              <a:t>29/03/2022</a:t>
             </a:fld>
             <a:endParaRPr lang="en-GB"/>
           </a:p>
@@ -13175,18 +13181,119 @@
   <p:clrMapOvr>
     <a:masterClrMapping/>
   </p:clrMapOvr>
-  <mc:AlternateContent xmlns:mc="http://schemas.openxmlformats.org/markup-compatibility/2006">
-    <mc:Choice xmlns:p14="http://schemas.microsoft.com/office/powerpoint/2010/main" Requires="p14">
+  <mc:AlternateContent xmlns:mc="http://schemas.openxmlformats.org/markup-compatibility/2006" xmlns:p14="http://schemas.microsoft.com/office/powerpoint/2010/main">
+    <mc:Choice Requires="p14">
       <p:transition spd="med" p14:dur="700">
         <p:fade/>
       </p:transition>
     </mc:Choice>
-    <mc:Fallback>
+    <mc:Fallback xmlns="">
       <p:transition spd="med">
         <p:fade/>
       </p:transition>
     </mc:Fallback>
   </mc:AlternateContent>
+</p:sld>
+</file>
+
+<file path=ppt/slides/slide6.xml><?xml version="1.0" encoding="utf-8"?>
+<p:sld xmlns:a="http://schemas.openxmlformats.org/drawingml/2006/main" xmlns:r="http://schemas.openxmlformats.org/officeDocument/2006/relationships" xmlns:p="http://schemas.openxmlformats.org/presentationml/2006/main">
+  <p:cSld>
+    <p:spTree>
+      <p:nvGrpSpPr>
+        <p:cNvPr id="1" name=""/>
+        <p:cNvGrpSpPr/>
+        <p:nvPr/>
+      </p:nvGrpSpPr>
+      <p:grpSpPr>
+        <a:xfrm>
+          <a:off x="0" y="0"/>
+          <a:ext cx="0" cy="0"/>
+          <a:chOff x="0" y="0"/>
+          <a:chExt cx="0" cy="0"/>
+        </a:xfrm>
+      </p:grpSpPr>
+      <p:pic>
+        <p:nvPicPr>
+          <p:cNvPr id="5" name="Content Placeholder 4">
+            <a:extLst>
+              <a:ext uri="{FF2B5EF4-FFF2-40B4-BE49-F238E27FC236}">
+                <a16:creationId xmlns:a16="http://schemas.microsoft.com/office/drawing/2014/main" id="{7898CE1A-8FA0-4D32-9991-AB4D56002EFB}"/>
+              </a:ext>
+            </a:extLst>
+          </p:cNvPr>
+          <p:cNvPicPr>
+            <a:picLocks noGrp="1" noChangeAspect="1"/>
+          </p:cNvPicPr>
+          <p:nvPr>
+            <p:ph idx="4294967295"/>
+          </p:nvPr>
+        </p:nvPicPr>
+        <p:blipFill>
+          <a:blip r:embed="rId2">
+            <a:extLst>
+              <a:ext uri="{28A0092B-C50C-407E-A947-70E740481C1C}">
+                <a14:useLocalDpi xmlns:a14="http://schemas.microsoft.com/office/drawing/2010/main" val="0"/>
+              </a:ext>
+            </a:extLst>
+          </a:blip>
+          <a:stretch>
+            <a:fillRect/>
+          </a:stretch>
+        </p:blipFill>
+        <p:spPr>
+          <a:xfrm>
+            <a:off x="0" y="2465388"/>
+            <a:ext cx="3073400" cy="3071812"/>
+          </a:xfrm>
+        </p:spPr>
+      </p:pic>
+      <p:pic>
+        <p:nvPicPr>
+          <p:cNvPr id="7" name="Picture 6">
+            <a:extLst>
+              <a:ext uri="{FF2B5EF4-FFF2-40B4-BE49-F238E27FC236}">
+                <a16:creationId xmlns:a16="http://schemas.microsoft.com/office/drawing/2014/main" id="{4D7654A5-E4C3-4BDC-8AD8-C88E1475637F}"/>
+              </a:ext>
+            </a:extLst>
+          </p:cNvPr>
+          <p:cNvPicPr>
+            <a:picLocks noChangeAspect="1"/>
+          </p:cNvPicPr>
+          <p:nvPr/>
+        </p:nvPicPr>
+        <p:blipFill>
+          <a:blip r:embed="rId3">
+            <a:extLst>
+              <a:ext uri="{28A0092B-C50C-407E-A947-70E740481C1C}">
+                <a14:useLocalDpi xmlns:a14="http://schemas.microsoft.com/office/drawing/2010/main" val="0"/>
+              </a:ext>
+            </a:extLst>
+          </a:blip>
+          <a:stretch>
+            <a:fillRect/>
+          </a:stretch>
+        </p:blipFill>
+        <p:spPr>
+          <a:xfrm>
+            <a:off x="4505938" y="1838938"/>
+            <a:ext cx="3180124" cy="3180124"/>
+          </a:xfrm>
+          <a:prstGeom prst="rect">
+            <a:avLst/>
+          </a:prstGeom>
+        </p:spPr>
+      </p:pic>
+    </p:spTree>
+    <p:extLst>
+      <p:ext uri="{BB962C8B-B14F-4D97-AF65-F5344CB8AC3E}">
+        <p14:creationId xmlns:p14="http://schemas.microsoft.com/office/powerpoint/2010/main" val="3621416565"/>
+      </p:ext>
+    </p:extLst>
+  </p:cSld>
+  <p:clrMapOvr>
+    <a:masterClrMapping/>
+  </p:clrMapOvr>
 </p:sld>
 </file>
 
